--- a/進度報告2.pptx
+++ b/進度報告2.pptx
@@ -5,7 +5,7 @@
     <p:sldMasterId id="2147483648" r:id="rId1"/>
   </p:sldMasterIdLst>
   <p:notesMasterIdLst>
-    <p:notesMasterId r:id="rId19"/>
+    <p:notesMasterId r:id="rId20"/>
   </p:notesMasterIdLst>
   <p:sldIdLst>
     <p:sldId id="287" r:id="rId2"/>
@@ -18,18 +18,19 @@
     <p:sldId id="262" r:id="rId9"/>
     <p:sldId id="301" r:id="rId10"/>
     <p:sldId id="302" r:id="rId11"/>
-    <p:sldId id="282" r:id="rId12"/>
-    <p:sldId id="303" r:id="rId13"/>
-    <p:sldId id="284" r:id="rId14"/>
-    <p:sldId id="304" r:id="rId15"/>
-    <p:sldId id="285" r:id="rId16"/>
-    <p:sldId id="257" r:id="rId17"/>
-    <p:sldId id="286" r:id="rId18"/>
+    <p:sldId id="305" r:id="rId12"/>
+    <p:sldId id="282" r:id="rId13"/>
+    <p:sldId id="303" r:id="rId14"/>
+    <p:sldId id="284" r:id="rId15"/>
+    <p:sldId id="304" r:id="rId16"/>
+    <p:sldId id="285" r:id="rId17"/>
+    <p:sldId id="257" r:id="rId18"/>
+    <p:sldId id="286" r:id="rId19"/>
   </p:sldIdLst>
   <p:sldSz cx="12192000" cy="6858000"/>
   <p:notesSz cx="6858000" cy="9144000"/>
   <p:custDataLst>
-    <p:tags r:id="rId20"/>
+    <p:tags r:id="rId21"/>
   </p:custDataLst>
   <p:defaultTextStyle>
     <a:defPPr>
@@ -227,7 +228,7 @@
           <a:p>
             <a:fld id="{45C98034-7DAB-4BA7-9402-30FF9D9F5726}" type="datetimeFigureOut">
               <a:rPr lang="zh-CN" altLang="en-US" smtClean="0"/>
-              <a:t>2020/5/6</a:t>
+              <a:t>2020/5/7</a:t>
             </a:fld>
             <a:endParaRPr lang="zh-CN" altLang="en-US"/>
           </a:p>
@@ -736,7 +737,7 @@
     </p:spTree>
     <p:extLst>
       <p:ext uri="{BB962C8B-B14F-4D97-AF65-F5344CB8AC3E}">
-        <p14:creationId xmlns:p14="http://schemas.microsoft.com/office/powerpoint/2010/main" val="975832056"/>
+        <p14:creationId xmlns:p14="http://schemas.microsoft.com/office/powerpoint/2010/main" val="1124618976"/>
       </p:ext>
     </p:extLst>
   </p:cSld>
@@ -820,7 +821,7 @@
     </p:spTree>
     <p:extLst>
       <p:ext uri="{BB962C8B-B14F-4D97-AF65-F5344CB8AC3E}">
-        <p14:creationId xmlns:p14="http://schemas.microsoft.com/office/powerpoint/2010/main" val="2172867766"/>
+        <p14:creationId xmlns:p14="http://schemas.microsoft.com/office/powerpoint/2010/main" val="975832056"/>
       </p:ext>
     </p:extLst>
   </p:cSld>
@@ -904,7 +905,7 @@
     </p:spTree>
     <p:extLst>
       <p:ext uri="{BB962C8B-B14F-4D97-AF65-F5344CB8AC3E}">
-        <p14:creationId xmlns:p14="http://schemas.microsoft.com/office/powerpoint/2010/main" val="1614087676"/>
+        <p14:creationId xmlns:p14="http://schemas.microsoft.com/office/powerpoint/2010/main" val="2172867766"/>
       </p:ext>
     </p:extLst>
   </p:cSld>
@@ -988,7 +989,7 @@
     </p:spTree>
     <p:extLst>
       <p:ext uri="{BB962C8B-B14F-4D97-AF65-F5344CB8AC3E}">
-        <p14:creationId xmlns:p14="http://schemas.microsoft.com/office/powerpoint/2010/main" val="413801345"/>
+        <p14:creationId xmlns:p14="http://schemas.microsoft.com/office/powerpoint/2010/main" val="1614087676"/>
       </p:ext>
     </p:extLst>
   </p:cSld>
@@ -1072,7 +1073,7 @@
     </p:spTree>
     <p:extLst>
       <p:ext uri="{BB962C8B-B14F-4D97-AF65-F5344CB8AC3E}">
-        <p14:creationId xmlns:p14="http://schemas.microsoft.com/office/powerpoint/2010/main" val="2178779976"/>
+        <p14:creationId xmlns:p14="http://schemas.microsoft.com/office/powerpoint/2010/main" val="413801345"/>
       </p:ext>
     </p:extLst>
   </p:cSld>
@@ -1156,7 +1157,7 @@
     </p:spTree>
     <p:extLst>
       <p:ext uri="{BB962C8B-B14F-4D97-AF65-F5344CB8AC3E}">
-        <p14:creationId xmlns:p14="http://schemas.microsoft.com/office/powerpoint/2010/main" val="4125329224"/>
+        <p14:creationId xmlns:p14="http://schemas.microsoft.com/office/powerpoint/2010/main" val="2178779976"/>
       </p:ext>
     </p:extLst>
   </p:cSld>
@@ -1232,6 +1233,90 @@
             <a:fld id="{27016975-1D4D-491B-8EC5-CCC6AF49DF07}" type="slidenum">
               <a:rPr lang="zh-CN" altLang="en-US" smtClean="0"/>
               <a:t>17</a:t>
+            </a:fld>
+            <a:endParaRPr lang="zh-CN" altLang="en-US"/>
+          </a:p>
+        </p:txBody>
+      </p:sp>
+    </p:spTree>
+    <p:extLst>
+      <p:ext uri="{BB962C8B-B14F-4D97-AF65-F5344CB8AC3E}">
+        <p14:creationId xmlns:p14="http://schemas.microsoft.com/office/powerpoint/2010/main" val="4125329224"/>
+      </p:ext>
+    </p:extLst>
+  </p:cSld>
+  <p:clrMapOvr>
+    <a:masterClrMapping/>
+  </p:clrMapOvr>
+</p:notes>
+</file>
+
+<file path=ppt/notesSlides/notesSlide18.xml><?xml version="1.0" encoding="utf-8"?>
+<p:notes xmlns:a="http://schemas.openxmlformats.org/drawingml/2006/main" xmlns:r="http://schemas.openxmlformats.org/officeDocument/2006/relationships" xmlns:p="http://schemas.openxmlformats.org/presentationml/2006/main">
+  <p:cSld>
+    <p:spTree>
+      <p:nvGrpSpPr>
+        <p:cNvPr id="1" name=""/>
+        <p:cNvGrpSpPr/>
+        <p:nvPr/>
+      </p:nvGrpSpPr>
+      <p:grpSpPr>
+        <a:xfrm>
+          <a:off x="0" y="0"/>
+          <a:ext cx="0" cy="0"/>
+          <a:chOff x="0" y="0"/>
+          <a:chExt cx="0" cy="0"/>
+        </a:xfrm>
+      </p:grpSpPr>
+      <p:sp>
+        <p:nvSpPr>
+          <p:cNvPr id="2" name="幻灯片图像占位符 1"/>
+          <p:cNvSpPr>
+            <a:spLocks noGrp="1" noRot="1" noChangeAspect="1"/>
+          </p:cNvSpPr>
+          <p:nvPr>
+            <p:ph type="sldImg"/>
+          </p:nvPr>
+        </p:nvSpPr>
+        <p:spPr/>
+      </p:sp>
+      <p:sp>
+        <p:nvSpPr>
+          <p:cNvPr id="3" name="备注占位符 2"/>
+          <p:cNvSpPr>
+            <a:spLocks noGrp="1"/>
+          </p:cNvSpPr>
+          <p:nvPr>
+            <p:ph type="body" idx="1"/>
+          </p:nvPr>
+        </p:nvSpPr>
+        <p:spPr/>
+        <p:txBody>
+          <a:bodyPr/>
+          <a:lstStyle/>
+          <a:p>
+            <a:endParaRPr lang="zh-CN" altLang="en-US"/>
+          </a:p>
+        </p:txBody>
+      </p:sp>
+      <p:sp>
+        <p:nvSpPr>
+          <p:cNvPr id="4" name="灯片编号占位符 3"/>
+          <p:cNvSpPr>
+            <a:spLocks noGrp="1"/>
+          </p:cNvSpPr>
+          <p:nvPr>
+            <p:ph type="sldNum" sz="quarter" idx="10"/>
+          </p:nvPr>
+        </p:nvSpPr>
+        <p:spPr/>
+        <p:txBody>
+          <a:bodyPr/>
+          <a:lstStyle/>
+          <a:p>
+            <a:fld id="{27016975-1D4D-491B-8EC5-CCC6AF49DF07}" type="slidenum">
+              <a:rPr lang="zh-CN" altLang="en-US" smtClean="0"/>
+              <a:t>18</a:t>
             </a:fld>
             <a:endParaRPr lang="zh-CN" altLang="en-US"/>
           </a:p>
@@ -5901,6 +5986,352 @@
           <a:chExt cx="0" cy="0"/>
         </a:xfrm>
       </p:grpSpPr>
+      <p:cxnSp>
+        <p:nvCxnSpPr>
+          <p:cNvPr id="21" name="直接连接符 20"/>
+          <p:cNvCxnSpPr/>
+          <p:nvPr/>
+        </p:nvCxnSpPr>
+        <p:spPr>
+          <a:xfrm>
+            <a:off x="1754753" y="546172"/>
+            <a:ext cx="2785497" cy="0"/>
+          </a:xfrm>
+          <a:prstGeom prst="line">
+            <a:avLst/>
+          </a:prstGeom>
+          <a:ln w="38100">
+            <a:solidFill>
+              <a:schemeClr val="bg1">
+                <a:lumMod val="75000"/>
+              </a:schemeClr>
+            </a:solidFill>
+          </a:ln>
+        </p:spPr>
+        <p:style>
+          <a:lnRef idx="1">
+            <a:schemeClr val="accent1"/>
+          </a:lnRef>
+          <a:fillRef idx="0">
+            <a:schemeClr val="accent1"/>
+          </a:fillRef>
+          <a:effectRef idx="0">
+            <a:schemeClr val="accent1"/>
+          </a:effectRef>
+          <a:fontRef idx="minor">
+            <a:schemeClr val="tx1"/>
+          </a:fontRef>
+        </p:style>
+      </p:cxnSp>
+      <p:sp>
+        <p:nvSpPr>
+          <p:cNvPr id="22" name="TextBox 19"/>
+          <p:cNvSpPr txBox="1"/>
+          <p:nvPr/>
+        </p:nvSpPr>
+        <p:spPr>
+          <a:xfrm>
+            <a:off x="4586510" y="315340"/>
+            <a:ext cx="3171371" cy="461665"/>
+          </a:xfrm>
+          <a:prstGeom prst="rect">
+            <a:avLst/>
+          </a:prstGeom>
+          <a:noFill/>
+        </p:spPr>
+        <p:txBody>
+          <a:bodyPr wrap="square" rtlCol="0">
+            <a:spAutoFit/>
+            <a:scene3d>
+              <a:camera prst="orthographicFront"/>
+              <a:lightRig rig="threePt" dir="t"/>
+            </a:scene3d>
+            <a:sp3d contourW="12700"/>
+          </a:bodyPr>
+          <a:lstStyle>
+            <a:defPPr>
+              <a:defRPr lang="zh-CN"/>
+            </a:defPPr>
+            <a:lvl1pPr>
+              <a:defRPr sz="1200">
+                <a:solidFill>
+                  <a:schemeClr val="tx1">
+                    <a:lumMod val="75000"/>
+                    <a:lumOff val="25000"/>
+                  </a:schemeClr>
+                </a:solidFill>
+                <a:latin typeface="EngraversGothic BT" panose="020B0507020203020204" pitchFamily="34" charset="0"/>
+              </a:defRPr>
+            </a:lvl1pPr>
+          </a:lstStyle>
+          <a:p>
+            <a:pPr algn="ctr"/>
+            <a:r>
+              <a:rPr lang="zh-TW" altLang="en-US" sz="2400" b="1" spc="300" dirty="0">
+                <a:latin typeface="+mn-ea"/>
+              </a:rPr>
+              <a:t>特殊因子模型</a:t>
+            </a:r>
+            <a:endParaRPr lang="en-US" altLang="zh-CN" sz="2400" b="1" spc="300" dirty="0">
+              <a:latin typeface="+mn-ea"/>
+            </a:endParaRPr>
+          </a:p>
+        </p:txBody>
+      </p:sp>
+      <p:cxnSp>
+        <p:nvCxnSpPr>
+          <p:cNvPr id="23" name="直接连接符 22"/>
+          <p:cNvCxnSpPr/>
+          <p:nvPr/>
+        </p:nvCxnSpPr>
+        <p:spPr>
+          <a:xfrm>
+            <a:off x="7676581" y="546172"/>
+            <a:ext cx="2785497" cy="0"/>
+          </a:xfrm>
+          <a:prstGeom prst="line">
+            <a:avLst/>
+          </a:prstGeom>
+          <a:ln w="38100">
+            <a:solidFill>
+              <a:schemeClr val="bg1">
+                <a:lumMod val="75000"/>
+              </a:schemeClr>
+            </a:solidFill>
+          </a:ln>
+        </p:spPr>
+        <p:style>
+          <a:lnRef idx="1">
+            <a:schemeClr val="accent1"/>
+          </a:lnRef>
+          <a:fillRef idx="0">
+            <a:schemeClr val="accent1"/>
+          </a:fillRef>
+          <a:effectRef idx="0">
+            <a:schemeClr val="accent1"/>
+          </a:effectRef>
+          <a:fontRef idx="minor">
+            <a:schemeClr val="tx1"/>
+          </a:fontRef>
+        </p:style>
+      </p:cxnSp>
+      <p:sp>
+        <p:nvSpPr>
+          <p:cNvPr id="6" name="文字方塊 5">
+            <a:extLst>
+              <a:ext uri="{FF2B5EF4-FFF2-40B4-BE49-F238E27FC236}">
+                <a16:creationId xmlns:a16="http://schemas.microsoft.com/office/drawing/2014/main" id="{367B7C23-995C-4F44-AD83-F851CE680AAA}"/>
+              </a:ext>
+            </a:extLst>
+          </p:cNvPr>
+          <p:cNvSpPr txBox="1"/>
+          <p:nvPr/>
+        </p:nvSpPr>
+        <p:spPr>
+          <a:xfrm>
+            <a:off x="1332475" y="2968587"/>
+            <a:ext cx="5000087" cy="400110"/>
+          </a:xfrm>
+          <a:prstGeom prst="rect">
+            <a:avLst/>
+          </a:prstGeom>
+          <a:noFill/>
+        </p:spPr>
+        <p:txBody>
+          <a:bodyPr wrap="none" rtlCol="0">
+            <a:spAutoFit/>
+          </a:bodyPr>
+          <a:lstStyle/>
+          <a:p>
+            <a:r>
+              <a:rPr lang="en-US" altLang="zh-TW" sz="2000" dirty="0"/>
+              <a:t>BAB :</a:t>
+            </a:r>
+            <a:r>
+              <a:rPr lang="zh-CN" altLang="en-US" sz="2000" dirty="0"/>
+              <a:t>高</a:t>
+            </a:r>
+            <a:r>
+              <a:rPr lang="en-US" altLang="zh-CN" sz="2000" dirty="0"/>
+              <a:t>/</a:t>
+            </a:r>
+            <a:r>
+              <a:rPr lang="zh-CN" altLang="en-US" sz="2000" dirty="0"/>
+              <a:t>低</a:t>
+            </a:r>
+            <a:r>
+              <a:rPr lang="en-US" altLang="zh-CN" sz="2000" dirty="0"/>
+              <a:t>beta</a:t>
+            </a:r>
+            <a:r>
+              <a:rPr lang="zh-TW" altLang="en-US" sz="2000" dirty="0"/>
+              <a:t>值</a:t>
+            </a:r>
+            <a:r>
+              <a:rPr lang="zh-CN" altLang="en-US" sz="2000" dirty="0"/>
+              <a:t>股票投</a:t>
+            </a:r>
+            <a:r>
+              <a:rPr lang="zh-TW" altLang="en-US" sz="2000" dirty="0"/>
+              <a:t>資</a:t>
+            </a:r>
+            <a:r>
+              <a:rPr lang="zh-CN" altLang="en-US" sz="2000" dirty="0"/>
+              <a:t>组合的回</a:t>
+            </a:r>
+            <a:r>
+              <a:rPr lang="zh-TW" altLang="en-US" sz="2000" dirty="0"/>
+              <a:t>報</a:t>
+            </a:r>
+            <a:r>
+              <a:rPr lang="zh-CN" altLang="en-US" sz="2000" dirty="0"/>
+              <a:t>之差</a:t>
+            </a:r>
+            <a:endParaRPr lang="zh-TW" altLang="en-US" sz="2000" dirty="0"/>
+          </a:p>
+        </p:txBody>
+      </p:sp>
+      <p:sp>
+        <p:nvSpPr>
+          <p:cNvPr id="7" name="文字方塊 6">
+            <a:extLst>
+              <a:ext uri="{FF2B5EF4-FFF2-40B4-BE49-F238E27FC236}">
+                <a16:creationId xmlns:a16="http://schemas.microsoft.com/office/drawing/2014/main" id="{F7299E8F-F178-4864-BA00-6724F15E645B}"/>
+              </a:ext>
+            </a:extLst>
+          </p:cNvPr>
+          <p:cNvSpPr txBox="1"/>
+          <p:nvPr/>
+        </p:nvSpPr>
+        <p:spPr>
+          <a:xfrm>
+            <a:off x="1332475" y="4002010"/>
+            <a:ext cx="4783682" cy="400110"/>
+          </a:xfrm>
+          <a:prstGeom prst="rect">
+            <a:avLst/>
+          </a:prstGeom>
+          <a:noFill/>
+        </p:spPr>
+        <p:txBody>
+          <a:bodyPr wrap="none" rtlCol="0">
+            <a:spAutoFit/>
+          </a:bodyPr>
+          <a:lstStyle/>
+          <a:p>
+            <a:r>
+              <a:rPr lang="en-US" altLang="zh-TW" sz="2000" dirty="0"/>
+              <a:t>QMJ :</a:t>
+            </a:r>
+            <a:r>
+              <a:rPr lang="zh-TW" altLang="en-US" sz="2000" dirty="0"/>
+              <a:t>高</a:t>
+            </a:r>
+            <a:r>
+              <a:rPr lang="en-US" altLang="zh-TW" sz="2000" dirty="0"/>
+              <a:t>/</a:t>
+            </a:r>
+            <a:r>
+              <a:rPr lang="zh-TW" altLang="en-US" sz="2000"/>
+              <a:t>低質量</a:t>
+            </a:r>
+            <a:r>
+              <a:rPr lang="zh-CN" altLang="en-US" sz="2000"/>
+              <a:t>股票</a:t>
+            </a:r>
+            <a:r>
+              <a:rPr lang="zh-CN" altLang="en-US" sz="2000" dirty="0"/>
+              <a:t>投</a:t>
+            </a:r>
+            <a:r>
+              <a:rPr lang="zh-TW" altLang="en-US" sz="2000" dirty="0"/>
+              <a:t>資</a:t>
+            </a:r>
+            <a:r>
+              <a:rPr lang="zh-CN" altLang="en-US" sz="2000" dirty="0"/>
+              <a:t>组合的回</a:t>
+            </a:r>
+            <a:r>
+              <a:rPr lang="zh-TW" altLang="en-US" sz="2000" dirty="0"/>
+              <a:t>報</a:t>
+            </a:r>
+            <a:r>
+              <a:rPr lang="zh-CN" altLang="en-US" sz="2000" dirty="0"/>
+              <a:t>之差</a:t>
+            </a:r>
+            <a:endParaRPr lang="zh-TW" altLang="en-US" sz="2000" dirty="0"/>
+          </a:p>
+        </p:txBody>
+      </p:sp>
+      <p:pic>
+        <p:nvPicPr>
+          <p:cNvPr id="3" name="圖片 2">
+            <a:extLst>
+              <a:ext uri="{FF2B5EF4-FFF2-40B4-BE49-F238E27FC236}">
+                <a16:creationId xmlns:a16="http://schemas.microsoft.com/office/drawing/2014/main" id="{E60C8B49-78BE-4D26-8E8E-D1A01B9BD443}"/>
+              </a:ext>
+            </a:extLst>
+          </p:cNvPr>
+          <p:cNvPicPr>
+            <a:picLocks noChangeAspect="1"/>
+          </p:cNvPicPr>
+          <p:nvPr/>
+        </p:nvPicPr>
+        <p:blipFill>
+          <a:blip r:embed="rId3">
+            <a:extLst>
+              <a:ext uri="{28A0092B-C50C-407E-A947-70E740481C1C}">
+                <a14:useLocalDpi xmlns:a14="http://schemas.microsoft.com/office/drawing/2010/main" val="0"/>
+              </a:ext>
+            </a:extLst>
+          </a:blip>
+          <a:stretch>
+            <a:fillRect/>
+          </a:stretch>
+        </p:blipFill>
+        <p:spPr>
+          <a:xfrm>
+            <a:off x="1126101" y="1410318"/>
+            <a:ext cx="9939798" cy="769984"/>
+          </a:xfrm>
+          <a:prstGeom prst="rect">
+            <a:avLst/>
+          </a:prstGeom>
+        </p:spPr>
+      </p:pic>
+    </p:spTree>
+    <p:extLst>
+      <p:ext uri="{BB962C8B-B14F-4D97-AF65-F5344CB8AC3E}">
+        <p14:creationId xmlns:p14="http://schemas.microsoft.com/office/powerpoint/2010/main" val="3621833383"/>
+      </p:ext>
+    </p:extLst>
+  </p:cSld>
+  <p:clrMapOvr>
+    <a:masterClrMapping/>
+  </p:clrMapOvr>
+  <p:transition spd="slow">
+    <p:push dir="u"/>
+  </p:transition>
+</p:sld>
+</file>
+
+<file path=ppt/slides/slide12.xml><?xml version="1.0" encoding="utf-8"?>
+<p:sld xmlns:a="http://schemas.openxmlformats.org/drawingml/2006/main" xmlns:r="http://schemas.openxmlformats.org/officeDocument/2006/relationships" xmlns:p="http://schemas.openxmlformats.org/presentationml/2006/main">
+  <p:cSld>
+    <p:spTree>
+      <p:nvGrpSpPr>
+        <p:cNvPr id="1" name=""/>
+        <p:cNvGrpSpPr/>
+        <p:nvPr/>
+      </p:nvGrpSpPr>
+      <p:grpSpPr>
+        <a:xfrm>
+          <a:off x="0" y="0"/>
+          <a:ext cx="0" cy="0"/>
+          <a:chOff x="0" y="0"/>
+          <a:chExt cx="0" cy="0"/>
+        </a:xfrm>
+      </p:grpSpPr>
       <p:sp>
         <p:nvSpPr>
           <p:cNvPr id="11" name="文本框 10"/>
@@ -6201,8 +6632,8 @@
       </p:transition>
     </mc:Fallback>
   </mc:AlternateContent>
-  <mc:AlternateContent xmlns:mc="http://schemas.openxmlformats.org/markup-compatibility/2006">
-    <mc:Choice xmlns:p14="http://schemas.microsoft.com/office/powerpoint/2010/main" Requires="p14">
+  <mc:AlternateContent xmlns:mc="http://schemas.openxmlformats.org/markup-compatibility/2006" xmlns:p14="http://schemas.microsoft.com/office/powerpoint/2010/main">
+    <mc:Choice Requires="p14">
       <p:timing>
         <p:tnLst>
           <p:par>
@@ -6529,7 +6960,7 @@
         </p:bldLst>
       </p:timing>
     </mc:Choice>
-    <mc:Fallback>
+    <mc:Fallback xmlns="">
       <p:timing>
         <p:tnLst>
           <p:par>
@@ -6860,7 +7291,7 @@
 </p:sld>
 </file>
 
-<file path=ppt/slides/slide12.xml><?xml version="1.0" encoding="utf-8"?>
+<file path=ppt/slides/slide13.xml><?xml version="1.0" encoding="utf-8"?>
 <p:sld xmlns:a="http://schemas.openxmlformats.org/drawingml/2006/main" xmlns:r="http://schemas.openxmlformats.org/officeDocument/2006/relationships" xmlns:p="http://schemas.openxmlformats.org/presentationml/2006/main">
   <p:cSld>
     <p:spTree>
@@ -7101,7 +7532,7 @@
 </p:sld>
 </file>
 
-<file path=ppt/slides/slide13.xml><?xml version="1.0" encoding="utf-8"?>
+<file path=ppt/slides/slide14.xml><?xml version="1.0" encoding="utf-8"?>
 <p:sld xmlns:a="http://schemas.openxmlformats.org/drawingml/2006/main" xmlns:r="http://schemas.openxmlformats.org/officeDocument/2006/relationships" xmlns:p="http://schemas.openxmlformats.org/presentationml/2006/main">
   <p:cSld>
     <p:spTree>
@@ -7419,8 +7850,8 @@
       </p:transition>
     </mc:Fallback>
   </mc:AlternateContent>
-  <mc:AlternateContent xmlns:mc="http://schemas.openxmlformats.org/markup-compatibility/2006">
-    <mc:Choice xmlns:p14="http://schemas.microsoft.com/office/powerpoint/2010/main" Requires="p14">
+  <mc:AlternateContent xmlns:mc="http://schemas.openxmlformats.org/markup-compatibility/2006" xmlns:p14="http://schemas.microsoft.com/office/powerpoint/2010/main">
+    <mc:Choice Requires="p14">
       <p:timing>
         <p:tnLst>
           <p:par>
@@ -7747,7 +8178,7 @@
         </p:bldLst>
       </p:timing>
     </mc:Choice>
-    <mc:Fallback>
+    <mc:Fallback xmlns="">
       <p:timing>
         <p:tnLst>
           <p:par>
@@ -8078,7 +8509,7 @@
 </p:sld>
 </file>
 
-<file path=ppt/slides/slide14.xml><?xml version="1.0" encoding="utf-8"?>
+<file path=ppt/slides/slide15.xml><?xml version="1.0" encoding="utf-8"?>
 <p:sld xmlns:a="http://schemas.openxmlformats.org/drawingml/2006/main" xmlns:r="http://schemas.openxmlformats.org/officeDocument/2006/relationships" xmlns:p="http://schemas.openxmlformats.org/presentationml/2006/main">
   <p:cSld>
     <p:spTree>
@@ -8403,7 +8834,7 @@
 </p:sld>
 </file>
 
-<file path=ppt/slides/slide15.xml><?xml version="1.0" encoding="utf-8"?>
+<file path=ppt/slides/slide16.xml><?xml version="1.0" encoding="utf-8"?>
 <p:sld xmlns:a="http://schemas.openxmlformats.org/drawingml/2006/main" xmlns:r="http://schemas.openxmlformats.org/officeDocument/2006/relationships" xmlns:p="http://schemas.openxmlformats.org/presentationml/2006/main">
   <p:cSld>
     <p:spTree>
@@ -8731,8 +9162,8 @@
       </p:transition>
     </mc:Fallback>
   </mc:AlternateContent>
-  <mc:AlternateContent xmlns:mc="http://schemas.openxmlformats.org/markup-compatibility/2006">
-    <mc:Choice xmlns:p14="http://schemas.microsoft.com/office/powerpoint/2010/main" Requires="p14">
+  <mc:AlternateContent xmlns:mc="http://schemas.openxmlformats.org/markup-compatibility/2006" xmlns:p14="http://schemas.microsoft.com/office/powerpoint/2010/main">
+    <mc:Choice Requires="p14">
       <p:timing>
         <p:tnLst>
           <p:par>
@@ -9059,7 +9490,7 @@
         </p:bldLst>
       </p:timing>
     </mc:Choice>
-    <mc:Fallback>
+    <mc:Fallback xmlns="">
       <p:timing>
         <p:tnLst>
           <p:par>
@@ -9390,7 +9821,7 @@
 </p:sld>
 </file>
 
-<file path=ppt/slides/slide16.xml><?xml version="1.0" encoding="utf-8"?>
+<file path=ppt/slides/slide17.xml><?xml version="1.0" encoding="utf-8"?>
 <p:sld xmlns:a="http://schemas.openxmlformats.org/drawingml/2006/main" xmlns:r="http://schemas.openxmlformats.org/officeDocument/2006/relationships" xmlns:p="http://schemas.openxmlformats.org/presentationml/2006/main">
   <p:cSld>
     <p:spTree>
@@ -9584,7 +10015,7 @@
 </p:sld>
 </file>
 
-<file path=ppt/slides/slide17.xml><?xml version="1.0" encoding="utf-8"?>
+<file path=ppt/slides/slide18.xml><?xml version="1.0" encoding="utf-8"?>
 <p:sld xmlns:a="http://schemas.openxmlformats.org/drawingml/2006/main" xmlns:r="http://schemas.openxmlformats.org/officeDocument/2006/relationships" xmlns:p="http://schemas.openxmlformats.org/presentationml/2006/main">
   <p:cSld>
     <p:spTree>
@@ -11904,8 +12335,8 @@
       </p:transition>
     </mc:Fallback>
   </mc:AlternateContent>
-  <mc:AlternateContent xmlns:mc="http://schemas.openxmlformats.org/markup-compatibility/2006">
-    <mc:Choice xmlns:p14="http://schemas.microsoft.com/office/powerpoint/2010/main" Requires="p14">
+  <mc:AlternateContent xmlns:mc="http://schemas.openxmlformats.org/markup-compatibility/2006" xmlns:p14="http://schemas.microsoft.com/office/powerpoint/2010/main">
+    <mc:Choice Requires="p14">
       <p:timing>
         <p:tnLst>
           <p:par>
@@ -12232,7 +12663,7 @@
         </p:bldLst>
       </p:timing>
     </mc:Choice>
-    <mc:Fallback>
+    <mc:Fallback xmlns="">
       <p:timing>
         <p:tnLst>
           <p:par>
@@ -13612,8 +14043,8 @@
       </p:transition>
     </mc:Fallback>
   </mc:AlternateContent>
-  <mc:AlternateContent xmlns:mc="http://schemas.openxmlformats.org/markup-compatibility/2006">
-    <mc:Choice xmlns:p14="http://schemas.microsoft.com/office/powerpoint/2010/main" Requires="p14">
+  <mc:AlternateContent xmlns:mc="http://schemas.openxmlformats.org/markup-compatibility/2006" xmlns:p14="http://schemas.microsoft.com/office/powerpoint/2010/main">
+    <mc:Choice Requires="p14">
       <p:timing>
         <p:tnLst>
           <p:par>
@@ -13940,7 +14371,7 @@
         </p:bldLst>
       </p:timing>
     </mc:Choice>
-    <mc:Fallback>
+    <mc:Fallback xmlns="">
       <p:timing>
         <p:tnLst>
           <p:par>
